--- a/pptx/jackhack2018_announce.pptx
+++ b/pptx/jackhack2018_announce.pptx
@@ -3759,7 +3759,7 @@
         <p:spPr>
           <a:xfrm>
             <a:off x="310643" y="2644170"/>
-            <a:ext cx="11570714" cy="1323439"/>
+            <a:ext cx="11570714" cy="1631216"/>
           </a:xfrm>
           <a:prstGeom prst="rect">
             <a:avLst/>
@@ -3774,7 +3774,7 @@
           <a:p>
             <a:pPr algn="ctr"/>
             <a:r>
-              <a:rPr lang="ja-JP" altLang="en-US" sz="8000" b="1" spc="600" dirty="0" smtClean="0">
+              <a:rPr lang="ja-JP" altLang="en-US" sz="10000" b="1" spc="600" dirty="0" smtClean="0">
                 <a:solidFill>
                   <a:schemeClr val="bg1"/>
                 </a:solidFill>
@@ -3784,7 +3784,7 @@
               </a:rPr>
               <a:t>プロダクト発表</a:t>
             </a:r>
-            <a:endParaRPr kumimoji="1" lang="ja-JP" altLang="en-US" sz="9600" b="1" spc="600" dirty="0">
+            <a:endParaRPr kumimoji="1" lang="ja-JP" altLang="en-US" sz="10000" b="1" spc="600" dirty="0">
               <a:solidFill>
                 <a:schemeClr val="bg1"/>
               </a:solidFill>

--- a/pptx/jackhack2018_announce.pptx
+++ b/pptx/jackhack2018_announce.pptx
@@ -201,7 +201,7 @@
           <a:p>
             <a:fld id="{044E776A-FE8C-FF46-A874-CC3A365D9B18}" type="datetimeFigureOut">
               <a:rPr kumimoji="1" lang="ja-JP" altLang="en-US" smtClean="0"/>
-              <a:t>2018/4/28</a:t>
+              <a:t>2018/4/30</a:t>
             </a:fld>
             <a:endParaRPr kumimoji="1" lang="ja-JP" altLang="en-US"/>
           </a:p>
@@ -716,7 +716,7 @@
           <a:p>
             <a:fld id="{A544B129-325A-4648-B080-F98DADD1A2A8}" type="datetimeFigureOut">
               <a:rPr kumimoji="1" lang="ja-JP" altLang="en-US" smtClean="0"/>
-              <a:t>2018/4/28</a:t>
+              <a:t>2018/4/30</a:t>
             </a:fld>
             <a:endParaRPr kumimoji="1" lang="ja-JP" altLang="en-US"/>
           </a:p>
@@ -925,7 +925,7 @@
           <a:p>
             <a:fld id="{A544B129-325A-4648-B080-F98DADD1A2A8}" type="datetimeFigureOut">
               <a:rPr kumimoji="1" lang="ja-JP" altLang="en-US" smtClean="0"/>
-              <a:t>2018/4/28</a:t>
+              <a:t>2018/4/30</a:t>
             </a:fld>
             <a:endParaRPr kumimoji="1" lang="ja-JP" altLang="en-US"/>
           </a:p>
@@ -1137,7 +1137,7 @@
           <a:p>
             <a:fld id="{A544B129-325A-4648-B080-F98DADD1A2A8}" type="datetimeFigureOut">
               <a:rPr kumimoji="1" lang="ja-JP" altLang="en-US" smtClean="0"/>
-              <a:t>2018/4/28</a:t>
+              <a:t>2018/4/30</a:t>
             </a:fld>
             <a:endParaRPr kumimoji="1" lang="ja-JP" altLang="en-US"/>
           </a:p>
@@ -1339,7 +1339,7 @@
           <a:p>
             <a:fld id="{A544B129-325A-4648-B080-F98DADD1A2A8}" type="datetimeFigureOut">
               <a:rPr kumimoji="1" lang="ja-JP" altLang="en-US" smtClean="0"/>
-              <a:t>2018/4/28</a:t>
+              <a:t>2018/4/30</a:t>
             </a:fld>
             <a:endParaRPr kumimoji="1" lang="ja-JP" altLang="en-US"/>
           </a:p>
@@ -1585,7 +1585,7 @@
           <a:p>
             <a:fld id="{A544B129-325A-4648-B080-F98DADD1A2A8}" type="datetimeFigureOut">
               <a:rPr kumimoji="1" lang="ja-JP" altLang="en-US" smtClean="0"/>
-              <a:t>2018/4/28</a:t>
+              <a:t>2018/4/30</a:t>
             </a:fld>
             <a:endParaRPr kumimoji="1" lang="ja-JP" altLang="en-US"/>
           </a:p>
@@ -1881,7 +1881,7 @@
           <a:p>
             <a:fld id="{A544B129-325A-4648-B080-F98DADD1A2A8}" type="datetimeFigureOut">
               <a:rPr kumimoji="1" lang="ja-JP" altLang="en-US" smtClean="0"/>
-              <a:t>2018/4/28</a:t>
+              <a:t>2018/4/30</a:t>
             </a:fld>
             <a:endParaRPr kumimoji="1" lang="ja-JP" altLang="en-US"/>
           </a:p>
@@ -2312,7 +2312,7 @@
           <a:p>
             <a:fld id="{A544B129-325A-4648-B080-F98DADD1A2A8}" type="datetimeFigureOut">
               <a:rPr kumimoji="1" lang="ja-JP" altLang="en-US" smtClean="0"/>
-              <a:t>2018/4/28</a:t>
+              <a:t>2018/4/30</a:t>
             </a:fld>
             <a:endParaRPr kumimoji="1" lang="ja-JP" altLang="en-US"/>
           </a:p>
@@ -2430,7 +2430,7 @@
           <a:p>
             <a:fld id="{A544B129-325A-4648-B080-F98DADD1A2A8}" type="datetimeFigureOut">
               <a:rPr kumimoji="1" lang="ja-JP" altLang="en-US" smtClean="0"/>
-              <a:t>2018/4/28</a:t>
+              <a:t>2018/4/30</a:t>
             </a:fld>
             <a:endParaRPr kumimoji="1" lang="ja-JP" altLang="en-US"/>
           </a:p>
@@ -2525,7 +2525,7 @@
           <a:p>
             <a:fld id="{A544B129-325A-4648-B080-F98DADD1A2A8}" type="datetimeFigureOut">
               <a:rPr kumimoji="1" lang="ja-JP" altLang="en-US" smtClean="0"/>
-              <a:t>2018/4/28</a:t>
+              <a:t>2018/4/30</a:t>
             </a:fld>
             <a:endParaRPr kumimoji="1" lang="ja-JP" altLang="en-US"/>
           </a:p>
@@ -2834,7 +2834,7 @@
           <a:p>
             <a:fld id="{A544B129-325A-4648-B080-F98DADD1A2A8}" type="datetimeFigureOut">
               <a:rPr kumimoji="1" lang="ja-JP" altLang="en-US" smtClean="0"/>
-              <a:t>2018/4/28</a:t>
+              <a:t>2018/4/30</a:t>
             </a:fld>
             <a:endParaRPr kumimoji="1" lang="ja-JP" altLang="en-US"/>
           </a:p>
@@ -3087,7 +3087,7 @@
           <a:p>
             <a:fld id="{A544B129-325A-4648-B080-F98DADD1A2A8}" type="datetimeFigureOut">
               <a:rPr kumimoji="1" lang="ja-JP" altLang="en-US" smtClean="0"/>
-              <a:t>2018/4/28</a:t>
+              <a:t>2018/4/30</a:t>
             </a:fld>
             <a:endParaRPr kumimoji="1" lang="ja-JP" altLang="en-US"/>
           </a:p>
@@ -3338,7 +3338,7 @@
           <a:p>
             <a:fld id="{A544B129-325A-4648-B080-F98DADD1A2A8}" type="datetimeFigureOut">
               <a:rPr kumimoji="1" lang="ja-JP" altLang="en-US" smtClean="0"/>
-              <a:t>2018/4/28</a:t>
+              <a:t>2018/4/30</a:t>
             </a:fld>
             <a:endParaRPr kumimoji="1" lang="ja-JP" altLang="en-US"/>
           </a:p>
@@ -3999,7 +3999,7 @@
               <a:tabLst/>
               <a:defRPr/>
             </a:pPr>
-            <a:endParaRPr lang="en-US" altLang="ja-JP" sz="3200" dirty="0"/>
+            <a:endParaRPr lang="en-US" altLang="ja-JP" sz="3200" dirty="0" smtClean="0"/>
           </a:p>
           <a:p>
             <a:pPr marL="0" marR="0" lvl="0" indent="0" defTabSz="914400" eaLnBrk="1" fontAlgn="auto" latinLnBrk="0" hangingPunct="1">
@@ -4045,7 +4045,11 @@
             </a:pPr>
             <a:r>
               <a:rPr kumimoji="1" lang="ja-JP" altLang="en-US" sz="3200" dirty="0" smtClean="0"/>
-              <a:t>１チーム５分の発表とさせていただきます！</a:t>
+              <a:t>１チーム５分の発表とします</a:t>
+            </a:r>
+            <a:r>
+              <a:rPr kumimoji="1" lang="ja-JP" altLang="en-US" sz="3200" smtClean="0"/>
+              <a:t>！（デモ含み）</a:t>
             </a:r>
             <a:endParaRPr kumimoji="1" lang="en-US" altLang="ja-JP" sz="3200" dirty="0" smtClean="0"/>
           </a:p>
